--- a/moredata/graphics/templates/GMAT_Template.pptx
+++ b/moredata/graphics/templates/GMAT_Template.pptx
@@ -5,11 +5,12 @@
     <p:sldMasterId id="2147483648" r:id="rId1"/>
   </p:sldMasterIdLst>
   <p:handoutMasterIdLst>
-    <p:handoutMasterId r:id="rId4"/>
+    <p:handoutMasterId r:id="rId5"/>
   </p:handoutMasterIdLst>
   <p:sldIdLst>
     <p:sldId id="256" r:id="rId2"/>
     <p:sldId id="257" r:id="rId3"/>
+    <p:sldId id="258" r:id="rId4"/>
   </p:sldIdLst>
   <p:sldSz cx="9144000" cy="6858000" type="screen4x3"/>
   <p:notesSz cx="6858000" cy="9144000"/>
@@ -389,7 +390,7 @@
   <p:timing>
     <p:tnLst>
       <p:par>
-        <p:cTn xmlns:p14="http://schemas.microsoft.com/office/powerpoint/2010/main" id="1" dur="indefinite" restart="never" nodeType="tmRoot"/>
+        <p:cTn id="1" dur="indefinite" restart="never" nodeType="tmRoot"/>
       </p:par>
     </p:tnLst>
   </p:timing>
@@ -862,7 +863,7 @@
   <p:timing>
     <p:tnLst>
       <p:par>
-        <p:cTn xmlns:p14="http://schemas.microsoft.com/office/powerpoint/2010/main" id="1" dur="indefinite" restart="never" nodeType="tmRoot"/>
+        <p:cTn id="1" dur="indefinite" restart="never" nodeType="tmRoot"/>
       </p:par>
     </p:tnLst>
   </p:timing>
@@ -872,6 +873,16 @@
 <file path=ppt/slideLayouts/slideLayout3.xml><?xml version="1.0" encoding="utf-8"?>
 <p:sldLayout xmlns:a="http://schemas.openxmlformats.org/drawingml/2006/main" xmlns:r="http://schemas.openxmlformats.org/officeDocument/2006/relationships" xmlns:p="http://schemas.openxmlformats.org/presentationml/2006/main" type="secHead" preserve="1">
   <p:cSld name="Section Header">
+    <p:bg>
+      <p:bgPr>
+        <a:solidFill>
+          <a:schemeClr val="bg1">
+            <a:lumMod val="95000"/>
+          </a:schemeClr>
+        </a:solidFill>
+        <a:effectLst/>
+      </p:bgPr>
+    </p:bg>
     <p:spTree>
       <p:nvGrpSpPr>
         <p:cNvPr id="1" name=""/>
@@ -886,38 +897,72 @@
           <a:chExt cx="0" cy="0"/>
         </a:xfrm>
       </p:grpSpPr>
-      <p:sp>
-        <p:nvSpPr>
-          <p:cNvPr id="2" name="Title 1"/>
-          <p:cNvSpPr>
-            <a:spLocks noGrp="1"/>
-          </p:cNvSpPr>
-          <p:nvPr>
-            <p:ph type="title"/>
-          </p:nvPr>
-        </p:nvSpPr>
-        <p:spPr>
-          <a:xfrm>
-            <a:off x="722313" y="4406900"/>
-            <a:ext cx="7772400" cy="1362075"/>
+      <p:pic>
+        <p:nvPicPr>
+          <p:cNvPr id="4" name="Picture 3"/>
+          <p:cNvPicPr>
+            <a:picLocks noChangeAspect="1"/>
+          </p:cNvPicPr>
+          <p:nvPr userDrawn="1"/>
+        </p:nvPicPr>
+        <p:blipFill>
+          <a:blip r:embed="rId2">
+            <a:extLst>
+              <a:ext uri="{28A0092B-C50C-407E-A947-70E740481C1C}">
+                <a14:useLocalDpi xmlns:a14="http://schemas.microsoft.com/office/drawing/2010/main" val="0"/>
+              </a:ext>
+            </a:extLst>
+          </a:blip>
+          <a:stretch>
+            <a:fillRect/>
+          </a:stretch>
+        </p:blipFill>
+        <p:spPr>
+          <a:xfrm>
+            <a:off x="0" y="5330"/>
+            <a:ext cx="9144000" cy="6847339"/>
           </a:xfrm>
           <a:prstGeom prst="rect">
             <a:avLst/>
           </a:prstGeom>
         </p:spPr>
+      </p:pic>
+      <p:sp>
+        <p:nvSpPr>
+          <p:cNvPr id="2" name="Title 1"/>
+          <p:cNvSpPr>
+            <a:spLocks noGrp="1"/>
+          </p:cNvSpPr>
+          <p:nvPr>
+            <p:ph type="title"/>
+          </p:nvPr>
+        </p:nvSpPr>
+        <p:spPr>
+          <a:xfrm>
+            <a:off x="3810001" y="1981201"/>
+            <a:ext cx="3886200" cy="1905000"/>
+          </a:xfrm>
+          <a:prstGeom prst="rect">
+            <a:avLst/>
+          </a:prstGeom>
+        </p:spPr>
         <p:txBody>
           <a:bodyPr anchor="t"/>
           <a:lstStyle>
             <a:lvl1pPr algn="l">
-              <a:defRPr sz="4000" b="1" cap="all"/>
+              <a:defRPr sz="4000" b="1" cap="all">
+                <a:solidFill>
+                  <a:srgbClr val="54A6EF"/>
+                </a:solidFill>
+              </a:defRPr>
             </a:lvl1pPr>
           </a:lstStyle>
           <a:p>
             <a:r>
-              <a:rPr lang="en-US" smtClean="0"/>
+              <a:rPr lang="en-US" dirty="0" smtClean="0"/>
               <a:t>Click to edit Master title style</a:t>
             </a:r>
-            <a:endParaRPr lang="en-US"/>
+            <a:endParaRPr lang="en-US" dirty="0"/>
           </a:p>
         </p:txBody>
       </p:sp>
@@ -933,12 +978,12 @@
         </p:nvSpPr>
         <p:spPr>
           <a:xfrm>
-            <a:off x="722313" y="2906713"/>
-            <a:ext cx="7772400" cy="1500187"/>
-          </a:xfrm>
-        </p:spPr>
-        <p:txBody>
-          <a:bodyPr anchor="b"/>
+            <a:off x="3810000" y="3886200"/>
+            <a:ext cx="3886200" cy="1500187"/>
+          </a:xfrm>
+        </p:spPr>
+        <p:txBody>
+          <a:bodyPr anchor="t"/>
           <a:lstStyle>
             <a:lvl1pPr marL="0" indent="0">
               <a:buNone/>
@@ -1034,127 +1079,9 @@
           <a:p>
             <a:pPr lvl="0"/>
             <a:r>
-              <a:rPr lang="en-US" smtClean="0"/>
+              <a:rPr lang="en-US" dirty="0" smtClean="0"/>
               <a:t>Click to edit Master text styles</a:t>
             </a:r>
-          </a:p>
-        </p:txBody>
-      </p:sp>
-      <p:sp>
-        <p:nvSpPr>
-          <p:cNvPr id="7" name="Date Placeholder 3"/>
-          <p:cNvSpPr>
-            <a:spLocks noGrp="1"/>
-          </p:cNvSpPr>
-          <p:nvPr>
-            <p:ph type="dt" sz="half" idx="2"/>
-          </p:nvPr>
-        </p:nvSpPr>
-        <p:spPr>
-          <a:xfrm>
-            <a:off x="457200" y="6356350"/>
-            <a:ext cx="2514600" cy="365125"/>
-          </a:xfrm>
-          <a:prstGeom prst="rect">
-            <a:avLst/>
-          </a:prstGeom>
-        </p:spPr>
-        <p:txBody>
-          <a:bodyPr vert="horz" lIns="91440" tIns="45720" rIns="91440" bIns="45720" rtlCol="0" anchor="ctr"/>
-          <a:lstStyle>
-            <a:lvl1pPr algn="l">
-              <a:defRPr sz="1200" b="1">
-                <a:solidFill>
-                  <a:srgbClr val="274299"/>
-                </a:solidFill>
-              </a:defRPr>
-            </a:lvl1pPr>
-          </a:lstStyle>
-          <a:p>
-            <a:r>
-              <a:rPr lang="en-US" dirty="0" smtClean="0"/>
-              <a:t>General Mission Analysis Tool</a:t>
-            </a:r>
-            <a:endParaRPr lang="en-US" dirty="0"/>
-          </a:p>
-        </p:txBody>
-      </p:sp>
-      <p:sp>
-        <p:nvSpPr>
-          <p:cNvPr id="8" name="Footer Placeholder 4"/>
-          <p:cNvSpPr>
-            <a:spLocks noGrp="1"/>
-          </p:cNvSpPr>
-          <p:nvPr>
-            <p:ph type="ftr" sz="quarter" idx="3"/>
-          </p:nvPr>
-        </p:nvSpPr>
-        <p:spPr>
-          <a:xfrm>
-            <a:off x="3124200" y="6356350"/>
-            <a:ext cx="2895600" cy="365125"/>
-          </a:xfrm>
-          <a:prstGeom prst="rect">
-            <a:avLst/>
-          </a:prstGeom>
-        </p:spPr>
-        <p:txBody>
-          <a:bodyPr vert="horz" lIns="91440" tIns="45720" rIns="91440" bIns="45720" rtlCol="0" anchor="ctr"/>
-          <a:lstStyle>
-            <a:lvl1pPr algn="ctr">
-              <a:defRPr sz="1200">
-                <a:solidFill>
-                  <a:srgbClr val="274299"/>
-                </a:solidFill>
-              </a:defRPr>
-            </a:lvl1pPr>
-          </a:lstStyle>
-          <a:p>
-            <a:r>
-              <a:rPr lang="en-US" smtClean="0"/>
-              <a:t>NASA Goddard Space Flight Center</a:t>
-            </a:r>
-            <a:endParaRPr lang="en-US" dirty="0"/>
-          </a:p>
-        </p:txBody>
-      </p:sp>
-      <p:sp>
-        <p:nvSpPr>
-          <p:cNvPr id="9" name="Slide Number Placeholder 5"/>
-          <p:cNvSpPr>
-            <a:spLocks noGrp="1"/>
-          </p:cNvSpPr>
-          <p:nvPr>
-            <p:ph type="sldNum" sz="quarter" idx="4"/>
-          </p:nvPr>
-        </p:nvSpPr>
-        <p:spPr>
-          <a:xfrm>
-            <a:off x="6553200" y="6356350"/>
-            <a:ext cx="2133600" cy="365125"/>
-          </a:xfrm>
-          <a:prstGeom prst="rect">
-            <a:avLst/>
-          </a:prstGeom>
-        </p:spPr>
-        <p:txBody>
-          <a:bodyPr vert="horz" lIns="91440" tIns="45720" rIns="91440" bIns="45720" rtlCol="0" anchor="ctr"/>
-          <a:lstStyle>
-            <a:lvl1pPr algn="r">
-              <a:defRPr sz="1000">
-                <a:solidFill>
-                  <a:srgbClr val="274299"/>
-                </a:solidFill>
-              </a:defRPr>
-            </a:lvl1pPr>
-          </a:lstStyle>
-          <a:p>
-            <a:fld id="{B6F15528-21DE-4FAA-801E-634DDDAF4B2B}" type="slidenum">
-              <a:rPr lang="en-US" smtClean="0"/>
-              <a:pPr/>
-              <a:t>‹#›</a:t>
-            </a:fld>
-            <a:endParaRPr lang="en-US" dirty="0"/>
           </a:p>
         </p:txBody>
       </p:sp>
@@ -1166,7 +1093,7 @@
   <p:timing>
     <p:tnLst>
       <p:par>
-        <p:cTn xmlns:p14="http://schemas.microsoft.com/office/powerpoint/2010/main" id="1" dur="indefinite" restart="never" nodeType="tmRoot"/>
+        <p:cTn id="1" dur="indefinite" restart="never" nodeType="tmRoot"/>
       </p:par>
     </p:tnLst>
   </p:timing>
@@ -1526,7 +1453,7 @@
   <p:timing>
     <p:tnLst>
       <p:par>
-        <p:cTn xmlns:p14="http://schemas.microsoft.com/office/powerpoint/2010/main" id="1" dur="indefinite" restart="never" nodeType="tmRoot"/>
+        <p:cTn id="1" dur="indefinite" restart="never" nodeType="tmRoot"/>
       </p:par>
     </p:tnLst>
   </p:timing>
@@ -3420,7 +3347,7 @@
   <p:timing>
     <p:tnLst>
       <p:par>
-        <p:cTn xmlns:p14="http://schemas.microsoft.com/office/powerpoint/2010/main" id="1" dur="indefinite" restart="never" nodeType="tmRoot"/>
+        <p:cTn id="1" dur="indefinite" restart="never" nodeType="tmRoot"/>
       </p:par>
     </p:tnLst>
   </p:timing>
@@ -3739,10 +3666,6 @@
           <a:bodyPr/>
           <a:lstStyle/>
           <a:p>
-            <a:r>
-              <a:rPr lang="en-US" dirty="0" smtClean="0"/>
-              <a:t>Training Overview</a:t>
-            </a:r>
             <a:endParaRPr lang="en-US" dirty="0"/>
           </a:p>
         </p:txBody>
@@ -3765,26 +3688,10 @@
         </p:spPr>
         <p:txBody>
           <a:bodyPr>
-            <a:normAutofit fontScale="47500" lnSpcReduction="20000"/>
+            <a:normAutofit/>
           </a:bodyPr>
           <a:lstStyle/>
           <a:p>
-            <a:r>
-              <a:rPr lang="en-US" dirty="0" smtClean="0"/>
-              <a:t>GMAT Fundamentals</a:t>
-            </a:r>
-          </a:p>
-          <a:p>
-            <a:r>
-              <a:rPr lang="en-US" dirty="0" smtClean="0"/>
-              <a:t>Joel Parker</a:t>
-            </a:r>
-          </a:p>
-          <a:p>
-            <a:r>
-              <a:rPr lang="en-US" dirty="0" smtClean="0"/>
-              <a:t>June 6, 2013</a:t>
-            </a:r>
             <a:endParaRPr lang="en-US" dirty="0"/>
           </a:p>
         </p:txBody>
@@ -3818,11 +3725,6 @@
               </a:rPr>
               <a:t>NASA Goddard Space Flight Center</a:t>
             </a:r>
-            <a:endParaRPr lang="en-US" sz="1200" dirty="0">
-              <a:solidFill>
-                <a:srgbClr val="FFFFFF"/>
-              </a:solidFill>
-            </a:endParaRPr>
           </a:p>
         </p:txBody>
       </p:sp>
@@ -3839,7 +3741,7 @@
   <p:timing>
     <p:tnLst>
       <p:par>
-        <p:cTn xmlns:p14="http://schemas.microsoft.com/office/powerpoint/2010/main" id="1" dur="indefinite" restart="never" nodeType="tmRoot"/>
+        <p:cTn id="1" dur="indefinite" restart="never" nodeType="tmRoot"/>
       </p:par>
     </p:tnLst>
   </p:timing>
@@ -3999,6 +3901,260 @@
     <p:extLst>
       <p:ext uri="{BB962C8B-B14F-4D97-AF65-F5344CB8AC3E}">
         <p14:creationId xmlns:p14="http://schemas.microsoft.com/office/powerpoint/2010/main" val="2289198942"/>
+      </p:ext>
+    </p:extLst>
+  </p:cSld>
+  <p:clrMapOvr>
+    <a:masterClrMapping/>
+  </p:clrMapOvr>
+</p:sld>
+</file>
+
+<file path=ppt/slides/slide3.xml><?xml version="1.0" encoding="utf-8"?>
+<p:sld xmlns:a="http://schemas.openxmlformats.org/drawingml/2006/main" xmlns:r="http://schemas.openxmlformats.org/officeDocument/2006/relationships" xmlns:p="http://schemas.openxmlformats.org/presentationml/2006/main">
+  <p:cSld>
+    <p:spTree>
+      <p:nvGrpSpPr>
+        <p:cNvPr id="1" name=""/>
+        <p:cNvGrpSpPr/>
+        <p:nvPr/>
+      </p:nvGrpSpPr>
+      <p:grpSpPr>
+        <a:xfrm>
+          <a:off x="0" y="0"/>
+          <a:ext cx="0" cy="0"/>
+          <a:chOff x="0" y="0"/>
+          <a:chExt cx="0" cy="0"/>
+        </a:xfrm>
+      </p:grpSpPr>
+      <p:sp>
+        <p:nvSpPr>
+          <p:cNvPr id="3" name="Title 2"/>
+          <p:cNvSpPr>
+            <a:spLocks noGrp="1"/>
+          </p:cNvSpPr>
+          <p:nvPr>
+            <p:ph type="title"/>
+          </p:nvPr>
+        </p:nvSpPr>
+        <p:spPr/>
+        <p:txBody>
+          <a:bodyPr/>
+          <a:lstStyle/>
+          <a:p>
+            <a:r>
+              <a:rPr lang="en-US" dirty="0" smtClean="0"/>
+              <a:t>Sample Table</a:t>
+            </a:r>
+            <a:endParaRPr lang="en-US" dirty="0"/>
+          </a:p>
+        </p:txBody>
+      </p:sp>
+      <p:graphicFrame>
+        <p:nvGraphicFramePr>
+          <p:cNvPr id="4" name="Content Placeholder 3"/>
+          <p:cNvGraphicFramePr>
+            <a:graphicFrameLocks noGrp="1"/>
+          </p:cNvGraphicFramePr>
+          <p:nvPr>
+            <p:ph idx="1"/>
+            <p:extLst>
+              <p:ext uri="{D42A27DB-BD31-4B8C-83A1-F6EECF244321}">
+                <p14:modId xmlns:p14="http://schemas.microsoft.com/office/powerpoint/2010/main" val="1268701364"/>
+              </p:ext>
+            </p:extLst>
+          </p:nvPr>
+        </p:nvGraphicFramePr>
+        <p:xfrm>
+          <a:off x="2324100" y="1600200"/>
+          <a:ext cx="4495801" cy="686460"/>
+        </p:xfrm>
+        <a:graphic>
+          <a:graphicData uri="http://schemas.openxmlformats.org/drawingml/2006/table">
+            <a:tbl>
+              <a:tblPr firstRow="1">
+                <a:tableStyleId>{5C22544A-7EE6-4342-B048-85BDC9FD1C3A}</a:tableStyleId>
+              </a:tblPr>
+              <a:tblGrid>
+                <a:gridCol w="3563437"/>
+                <a:gridCol w="932364"/>
+              </a:tblGrid>
+              <a:tr h="341273">
+                <a:tc>
+                  <a:txBody>
+                    <a:bodyPr/>
+                    <a:lstStyle/>
+                    <a:p>
+                      <a:r>
+                        <a:rPr lang="en-US" sz="1700" dirty="0" smtClean="0"/>
+                        <a:t>Header</a:t>
+                      </a:r>
+                      <a:endParaRPr lang="en-US" sz="1700" dirty="0"/>
+                    </a:p>
+                  </a:txBody>
+                  <a:tcPr marL="84149" marR="84149" marT="42075" marB="42075">
+                    <a:lnL w="12700" cap="flat" cmpd="sng" algn="ctr">
+                      <a:solidFill>
+                        <a:schemeClr val="accent1"/>
+                      </a:solidFill>
+                      <a:prstDash val="solid"/>
+                      <a:round/>
+                      <a:headEnd type="none" w="med" len="med"/>
+                      <a:tailEnd type="none" w="med" len="med"/>
+                    </a:lnL>
+                    <a:lnT w="12700" cap="flat" cmpd="sng" algn="ctr">
+                      <a:solidFill>
+                        <a:schemeClr val="accent1"/>
+                      </a:solidFill>
+                      <a:prstDash val="solid"/>
+                      <a:round/>
+                      <a:headEnd type="none" w="med" len="med"/>
+                      <a:tailEnd type="none" w="med" len="med"/>
+                    </a:lnT>
+                    <a:gradFill flip="none" rotWithShape="1">
+                      <a:gsLst>
+                        <a:gs pos="0">
+                          <a:srgbClr val="274299"/>
+                        </a:gs>
+                        <a:gs pos="100000">
+                          <a:srgbClr val="274299"/>
+                        </a:gs>
+                        <a:gs pos="50000">
+                          <a:srgbClr val="1C88C9"/>
+                        </a:gs>
+                      </a:gsLst>
+                      <a:lin ang="0" scaled="1"/>
+                      <a:tileRect/>
+                    </a:gradFill>
+                  </a:tcPr>
+                </a:tc>
+                <a:tc>
+                  <a:txBody>
+                    <a:bodyPr/>
+                    <a:lstStyle/>
+                    <a:p>
+                      <a:pPr algn="r"/>
+                      <a:r>
+                        <a:rPr lang="en-US" sz="1700" dirty="0" smtClean="0"/>
+                        <a:t>Header</a:t>
+                      </a:r>
+                      <a:endParaRPr lang="en-US" sz="1700" dirty="0"/>
+                    </a:p>
+                  </a:txBody>
+                  <a:tcPr marL="84149" marR="84149" marT="42075" marB="42075">
+                    <a:lnR w="12700" cap="flat" cmpd="sng" algn="ctr">
+                      <a:solidFill>
+                        <a:schemeClr val="accent1"/>
+                      </a:solidFill>
+                      <a:prstDash val="solid"/>
+                      <a:round/>
+                      <a:headEnd type="none" w="med" len="med"/>
+                      <a:tailEnd type="none" w="med" len="med"/>
+                    </a:lnR>
+                    <a:lnT w="12700" cap="flat" cmpd="sng" algn="ctr">
+                      <a:solidFill>
+                        <a:schemeClr val="accent1"/>
+                      </a:solidFill>
+                      <a:prstDash val="solid"/>
+                      <a:round/>
+                      <a:headEnd type="none" w="med" len="med"/>
+                      <a:tailEnd type="none" w="med" len="med"/>
+                    </a:lnT>
+                    <a:gradFill flip="none" rotWithShape="1">
+                      <a:gsLst>
+                        <a:gs pos="0">
+                          <a:srgbClr val="274299"/>
+                        </a:gs>
+                        <a:gs pos="100000">
+                          <a:srgbClr val="274299"/>
+                        </a:gs>
+                        <a:gs pos="50000">
+                          <a:srgbClr val="1C88C9"/>
+                        </a:gs>
+                      </a:gsLst>
+                      <a:lin ang="0" scaled="1"/>
+                      <a:tileRect/>
+                    </a:gradFill>
+                  </a:tcPr>
+                </a:tc>
+              </a:tr>
+              <a:tr h="341273">
+                <a:tc>
+                  <a:txBody>
+                    <a:bodyPr/>
+                    <a:lstStyle/>
+                    <a:p>
+                      <a:r>
+                        <a:rPr lang="en-US" sz="1700" dirty="0" smtClean="0"/>
+                        <a:t>Content</a:t>
+                      </a:r>
+                      <a:endParaRPr lang="en-US" sz="1700" dirty="0"/>
+                    </a:p>
+                  </a:txBody>
+                  <a:tcPr marL="84149" marR="84149" marT="42075" marB="42075">
+                    <a:lnL w="12700" cap="flat" cmpd="sng" algn="ctr">
+                      <a:solidFill>
+                        <a:schemeClr val="accent1"/>
+                      </a:solidFill>
+                      <a:prstDash val="solid"/>
+                      <a:round/>
+                      <a:headEnd type="none" w="med" len="med"/>
+                      <a:tailEnd type="none" w="med" len="med"/>
+                    </a:lnL>
+                    <a:lnB w="12700" cap="flat" cmpd="sng" algn="ctr">
+                      <a:solidFill>
+                        <a:schemeClr val="accent1"/>
+                      </a:solidFill>
+                      <a:prstDash val="solid"/>
+                      <a:round/>
+                      <a:headEnd type="none" w="med" len="med"/>
+                      <a:tailEnd type="none" w="med" len="med"/>
+                    </a:lnB>
+                  </a:tcPr>
+                </a:tc>
+                <a:tc>
+                  <a:txBody>
+                    <a:bodyPr/>
+                    <a:lstStyle/>
+                    <a:p>
+                      <a:pPr algn="r"/>
+                      <a:r>
+                        <a:rPr lang="en-US" sz="1700" dirty="0" smtClean="0"/>
+                        <a:t>Content</a:t>
+                      </a:r>
+                      <a:endParaRPr lang="en-US" sz="1700" dirty="0"/>
+                    </a:p>
+                  </a:txBody>
+                  <a:tcPr marL="84149" marR="84149" marT="42075" marB="42075">
+                    <a:lnR w="12700" cap="flat" cmpd="sng" algn="ctr">
+                      <a:solidFill>
+                        <a:schemeClr val="accent1"/>
+                      </a:solidFill>
+                      <a:prstDash val="solid"/>
+                      <a:round/>
+                      <a:headEnd type="none" w="med" len="med"/>
+                      <a:tailEnd type="none" w="med" len="med"/>
+                    </a:lnR>
+                    <a:lnB w="12700" cap="flat" cmpd="sng" algn="ctr">
+                      <a:solidFill>
+                        <a:schemeClr val="accent1"/>
+                      </a:solidFill>
+                      <a:prstDash val="solid"/>
+                      <a:round/>
+                      <a:headEnd type="none" w="med" len="med"/>
+                      <a:tailEnd type="none" w="med" len="med"/>
+                    </a:lnB>
+                  </a:tcPr>
+                </a:tc>
+              </a:tr>
+            </a:tbl>
+          </a:graphicData>
+        </a:graphic>
+      </p:graphicFrame>
+    </p:spTree>
+    <p:extLst>
+      <p:ext uri="{BB962C8B-B14F-4D97-AF65-F5344CB8AC3E}">
+        <p14:creationId xmlns:p14="http://schemas.microsoft.com/office/powerpoint/2010/main" val="1541850160"/>
       </p:ext>
     </p:extLst>
   </p:cSld>
